--- a/AiderHubAtual/Relatorio/certificado_de_conclusão_modelo.pptx
+++ b/AiderHubAtual/Relatorio/certificado_de_conclusão_modelo.pptx
@@ -10727,6 +10727,13 @@
               <a:noFill/>
             </a:ln>
           </p:spPr>
+          <p:txBody>
+            <a:bodyPr/>
+            <a:lstStyle/>
+            <a:p>
+              <a:endParaRPr lang="pt-BR"/>
+            </a:p>
+          </p:txBody>
         </p:sp>
         <p:sp>
           <p:nvSpPr>
@@ -10866,6 +10873,13 @@
               <a:noFill/>
             </a:ln>
           </p:spPr>
+          <p:txBody>
+            <a:bodyPr/>
+            <a:lstStyle/>
+            <a:p>
+              <a:endParaRPr lang="pt-BR"/>
+            </a:p>
+          </p:txBody>
         </p:sp>
         <p:sp>
           <p:nvSpPr>
@@ -10978,6 +10992,13 @@
               <a:noFill/>
             </a:ln>
           </p:spPr>
+          <p:txBody>
+            <a:bodyPr/>
+            <a:lstStyle/>
+            <a:p>
+              <a:endParaRPr lang="pt-BR"/>
+            </a:p>
+          </p:txBody>
         </p:sp>
         <p:sp>
           <p:nvSpPr>
@@ -11117,6 +11138,13 @@
               <a:noFill/>
             </a:ln>
           </p:spPr>
+          <p:txBody>
+            <a:bodyPr/>
+            <a:lstStyle/>
+            <a:p>
+              <a:endParaRPr lang="pt-BR"/>
+            </a:p>
+          </p:txBody>
         </p:sp>
         <p:sp>
           <p:nvSpPr>
@@ -11227,32 +11255,6 @@
       </p:cxnSp>
       <p:cxnSp>
         <p:nvCxnSpPr>
-          <p:cNvPr id="100" name="Google Shape;100;p13"/>
-          <p:cNvCxnSpPr/>
-          <p:nvPr/>
-        </p:nvCxnSpPr>
-        <p:spPr>
-          <a:xfrm>
-            <a:off x="6399788" y="6177759"/>
-            <a:ext cx="1238700" cy="0"/>
-          </a:xfrm>
-          <a:prstGeom prst="straightConnector1">
-            <a:avLst/>
-          </a:prstGeom>
-          <a:noFill/>
-          <a:ln w="19050" cap="flat" cmpd="sng">
-            <a:solidFill>
-              <a:srgbClr val="000000"/>
-            </a:solidFill>
-            <a:prstDash val="solid"/>
-            <a:round/>
-            <a:headEnd type="none" w="sm" len="sm"/>
-            <a:tailEnd type="none" w="sm" len="sm"/>
-          </a:ln>
-        </p:spPr>
-      </p:cxnSp>
-      <p:cxnSp>
-        <p:nvCxnSpPr>
           <p:cNvPr id="101" name="Google Shape;101;p13"/>
           <p:cNvCxnSpPr/>
           <p:nvPr/>
@@ -11356,10 +11358,10 @@
                 <a:cs typeface="Caveat"/>
                 <a:sym typeface="Caveat"/>
               </a:rPr>
-              <a:t>nome_</a:t>
+              <a:t>nome</a:t>
             </a:r>
             <a:r>
-              <a:rPr lang="en-US" sz="4537" b="0" i="0" u="sng" strike="noStrike" cap="none" dirty="0" err="1">
+              <a:rPr lang="en-US" sz="4537" b="0" i="0" strike="noStrike" cap="none" dirty="0" err="1">
                 <a:solidFill>
                   <a:srgbClr val="FB7D2B"/>
                 </a:solidFill>
@@ -11368,9 +11370,9 @@
                 <a:cs typeface="Caveat"/>
                 <a:sym typeface="Caveat"/>
               </a:rPr>
-              <a:t>voluntario</a:t>
+              <a:t>_voluntario</a:t>
             </a:r>
-            <a:endParaRPr sz="1800" b="0" i="0" u="sng" strike="noStrike" cap="none" dirty="0">
+            <a:endParaRPr sz="1800" b="0" i="0" strike="noStrike" cap="none" dirty="0">
               <a:solidFill>
                 <a:schemeClr val="dk1"/>
               </a:solidFill>
@@ -11434,7 +11436,7 @@
                 <a:cs typeface="Bebas Neue"/>
                 <a:sym typeface="Bebas Neue"/>
               </a:rPr>
-              <a:t>PARTICIPOU DE UMA AÇÃO SOCIAL DA ONG  NOME_ONG, COM A CARGA HORÁRIA DE CARGA_HORARIA Horas.</a:t>
+              <a:t>PARTICIPOU DE UMA AÇÃO SOCIAL DA ONG  NOME_ONG, COM A CARGA HORÁRIA DE CARGA_HORARIA H.</a:t>
             </a:r>
             <a:endParaRPr sz="1800" b="0" i="0" u="none" strike="noStrike" cap="none" dirty="0">
               <a:solidFill>
@@ -11516,72 +11518,6 @@
       </p:sp>
       <p:sp>
         <p:nvSpPr>
-          <p:cNvPr id="106" name="Google Shape;106;p13"/>
-          <p:cNvSpPr txBox="1"/>
-          <p:nvPr/>
-        </p:nvSpPr>
-        <p:spPr>
-          <a:xfrm>
-            <a:off x="6242557" y="6202917"/>
-            <a:ext cx="1560600" cy="284100"/>
-          </a:xfrm>
-          <a:prstGeom prst="rect">
-            <a:avLst/>
-          </a:prstGeom>
-          <a:noFill/>
-          <a:ln>
-            <a:noFill/>
-          </a:ln>
-        </p:spPr>
-        <p:txBody>
-          <a:bodyPr spcFirstLastPara="1" wrap="square" lIns="0" tIns="0" rIns="0" bIns="0" anchor="t" anchorCtr="0">
-            <a:spAutoFit/>
-          </a:bodyPr>
-          <a:lstStyle/>
-          <a:p>
-            <a:pPr marL="0" marR="0" lvl="0" indent="0" algn="ctr" rtl="0">
-              <a:lnSpc>
-                <a:spcPct val="140000"/>
-              </a:lnSpc>
-              <a:spcBef>
-                <a:spcPts val="0"/>
-              </a:spcBef>
-              <a:spcAft>
-                <a:spcPts val="0"/>
-              </a:spcAft>
-              <a:buClr>
-                <a:srgbClr val="FB7D2B"/>
-              </a:buClr>
-              <a:buSzPts val="1845"/>
-              <a:buFont typeface="Bebas Neue"/>
-              <a:buNone/>
-            </a:pPr>
-            <a:r>
-              <a:rPr lang="en-US" sz="1845" i="0" u="none" strike="noStrike" cap="none">
-                <a:solidFill>
-                  <a:srgbClr val="FB7D2B"/>
-                </a:solidFill>
-                <a:latin typeface="Bebas Neue"/>
-                <a:ea typeface="Bebas Neue"/>
-                <a:cs typeface="Bebas Neue"/>
-                <a:sym typeface="Bebas Neue"/>
-              </a:rPr>
-              <a:t>ASSINATURA</a:t>
-            </a:r>
-            <a:endParaRPr sz="1800" b="0" i="0" u="none" strike="noStrike" cap="none">
-              <a:solidFill>
-                <a:schemeClr val="dk1"/>
-              </a:solidFill>
-              <a:latin typeface="Calibri"/>
-              <a:ea typeface="Calibri"/>
-              <a:cs typeface="Calibri"/>
-              <a:sym typeface="Calibri"/>
-            </a:endParaRPr>
-          </a:p>
-        </p:txBody>
-      </p:sp>
-      <p:sp>
-        <p:nvSpPr>
           <p:cNvPr id="107" name="Google Shape;107;p13"/>
           <p:cNvSpPr txBox="1"/>
           <p:nvPr/>
@@ -11632,7 +11568,7 @@
                 <a:cs typeface="Bebas Neue"/>
                 <a:sym typeface="Bebas Neue"/>
               </a:rPr>
-              <a:t>DATA_ACAO</a:t>
+              <a:t>DATA_EVENTO</a:t>
             </a:r>
             <a:endParaRPr sz="1800" b="0" i="0" u="none" strike="noStrike" cap="none" dirty="0">
               <a:solidFill>
@@ -11654,8 +11590,8 @@
         </p:nvSpPr>
         <p:spPr>
           <a:xfrm>
-            <a:off x="2379208" y="1590242"/>
-            <a:ext cx="5675700" cy="1355400"/>
+            <a:off x="2558873" y="1557399"/>
+            <a:ext cx="5675700" cy="1698798"/>
           </a:xfrm>
           <a:prstGeom prst="rect">
             <a:avLst/>
@@ -11689,7 +11625,7 @@
               <a:buNone/>
             </a:pPr>
             <a:r>
-              <a:rPr lang="en-US" sz="7885" b="1" i="0" u="none" strike="noStrike" cap="none" dirty="0">
+              <a:rPr lang="en-US" sz="7885" b="1" i="0" strike="noStrike" cap="none" dirty="0">
                 <a:solidFill>
                   <a:srgbClr val="173678"/>
                 </a:solidFill>
@@ -11700,7 +11636,7 @@
               </a:rPr>
               <a:t>CERTIFICADO</a:t>
             </a:r>
-            <a:endParaRPr sz="1800" b="0" i="0" u="none" strike="noStrike" cap="none" dirty="0">
+            <a:endParaRPr sz="1800" b="0" i="0" strike="noStrike" cap="none" dirty="0">
               <a:solidFill>
                 <a:schemeClr val="dk1"/>
               </a:solidFill>
@@ -11720,7 +11656,7 @@
         </p:nvSpPr>
         <p:spPr>
           <a:xfrm>
-            <a:off x="3132808" y="2662142"/>
+            <a:off x="3262450" y="2661883"/>
             <a:ext cx="4168500" cy="697800"/>
           </a:xfrm>
           <a:prstGeom prst="rect">
@@ -11894,72 +11830,6 @@
               <a:ea typeface="Caveat"/>
               <a:cs typeface="Caveat"/>
               <a:sym typeface="Caveat"/>
-            </a:endParaRPr>
-          </a:p>
-        </p:txBody>
-      </p:sp>
-      <p:sp>
-        <p:nvSpPr>
-          <p:cNvPr id="112" name="Google Shape;112;p13"/>
-          <p:cNvSpPr txBox="1"/>
-          <p:nvPr/>
-        </p:nvSpPr>
-        <p:spPr>
-          <a:xfrm>
-            <a:off x="5990739" y="5900886"/>
-            <a:ext cx="2056800" cy="251700"/>
-          </a:xfrm>
-          <a:prstGeom prst="rect">
-            <a:avLst/>
-          </a:prstGeom>
-          <a:noFill/>
-          <a:ln>
-            <a:noFill/>
-          </a:ln>
-        </p:spPr>
-        <p:txBody>
-          <a:bodyPr spcFirstLastPara="1" wrap="square" lIns="0" tIns="0" rIns="0" bIns="0" anchor="t" anchorCtr="0">
-            <a:spAutoFit/>
-          </a:bodyPr>
-          <a:lstStyle/>
-          <a:p>
-            <a:pPr marL="0" marR="0" lvl="0" indent="0" algn="ctr" rtl="0">
-              <a:lnSpc>
-                <a:spcPct val="140036"/>
-              </a:lnSpc>
-              <a:spcBef>
-                <a:spcPts val="0"/>
-              </a:spcBef>
-              <a:spcAft>
-                <a:spcPts val="0"/>
-              </a:spcAft>
-              <a:buClr>
-                <a:srgbClr val="173678"/>
-              </a:buClr>
-              <a:buSzPts val="1636"/>
-              <a:buFont typeface="Bebas Neue"/>
-              <a:buNone/>
-            </a:pPr>
-            <a:r>
-              <a:rPr lang="en-US" sz="1636" dirty="0">
-                <a:solidFill>
-                  <a:srgbClr val="173678"/>
-                </a:solidFill>
-                <a:latin typeface="Bebas Neue"/>
-                <a:ea typeface="Bebas Neue"/>
-                <a:cs typeface="Bebas Neue"/>
-                <a:sym typeface="Bebas Neue"/>
-              </a:rPr>
-              <a:t>&lt;&lt;ASSINATURA&gt;&gt;</a:t>
-            </a:r>
-            <a:endParaRPr sz="1800" b="0" i="0" u="none" strike="noStrike" cap="none" dirty="0">
-              <a:solidFill>
-                <a:schemeClr val="dk1"/>
-              </a:solidFill>
-              <a:latin typeface="Calibri"/>
-              <a:ea typeface="Calibri"/>
-              <a:cs typeface="Calibri"/>
-              <a:sym typeface="Calibri"/>
             </a:endParaRPr>
           </a:p>
         </p:txBody>
